--- a/TEAS_draft-ietf-teas-actn-vn-yang-02_IETF 102-V2.pptx
+++ b/TEAS_draft-ietf-teas-actn-vn-yang-02_IETF 102-V2.pptx
@@ -2669,13 +2669,13 @@
   <dgm:cxnLst>
     <dgm:cxn modelId="{BF34EFAA-EF7F-4D51-81C2-9880BC5645F8}" type="presOf" srcId="{DF3E1A54-D99E-4A39-B5F3-C80A514B46E8}" destId="{CBD6DC7A-9D81-425F-8600-C161E6652D2B}" srcOrd="0" destOrd="0" presId="urn:microsoft.com/office/officeart/2005/8/layout/hierarchy4"/>
     <dgm:cxn modelId="{4F3E2070-54E0-48FE-8B3B-D223DD372C73}" type="presOf" srcId="{59B87A8A-8AE0-4957-95EA-A53CB246013E}" destId="{2315692A-DD9F-4D19-A7FE-8D9BA16072B0}" srcOrd="0" destOrd="0" presId="urn:microsoft.com/office/officeart/2005/8/layout/hierarchy4"/>
+    <dgm:cxn modelId="{742ED71D-3889-43DA-92B4-4E2A0D98A88B}" srcId="{59B87A8A-8AE0-4957-95EA-A53CB246013E}" destId="{DF3E1A54-D99E-4A39-B5F3-C80A514B46E8}" srcOrd="1" destOrd="0" parTransId="{5EB4C3CB-6EEC-4761-8062-8A45AC381EA6}" sibTransId="{B51178B7-C249-41D9-B106-0E7CB6A4148A}"/>
+    <dgm:cxn modelId="{D18FDA5B-48B7-4528-B57A-E79030984D2C}" type="presOf" srcId="{66122578-A67A-4BEC-8DD6-1EEFC21D1A80}" destId="{334F112D-B1E4-40B5-90C0-C47D9971B26D}" srcOrd="0" destOrd="0" presId="urn:microsoft.com/office/officeart/2005/8/layout/hierarchy4"/>
     <dgm:cxn modelId="{DF27E1A6-245D-41EB-BD96-D8910C99F722}" srcId="{59B87A8A-8AE0-4957-95EA-A53CB246013E}" destId="{5D7DAD69-AB5A-4D1F-98D9-083D7BF7069F}" srcOrd="0" destOrd="0" parTransId="{1F04782D-1B99-4F9F-9D6D-CE693E9AE407}" sibTransId="{F5A30D0A-D037-4A85-85B7-CDDB85AD7A1F}"/>
+    <dgm:cxn modelId="{9D55FBEE-3EDD-42BE-9570-C4B607520D0D}" srcId="{DF3E1A54-D99E-4A39-B5F3-C80A514B46E8}" destId="{060F3ABA-36E3-4DF8-89A3-5527A9AB9028}" srcOrd="0" destOrd="0" parTransId="{E915DF27-696D-4815-AC52-18C9E8444B8B}" sibTransId="{89EAACC9-4300-4C4F-925B-B304A085CF50}"/>
     <dgm:cxn modelId="{CCCB7535-05CA-47E0-BD62-F2B2FB9FA1EF}" type="presOf" srcId="{5D7DAD69-AB5A-4D1F-98D9-083D7BF7069F}" destId="{F7FC133E-A587-4FEA-84A9-43997EBCCC3D}" srcOrd="0" destOrd="0" presId="urn:microsoft.com/office/officeart/2005/8/layout/hierarchy4"/>
     <dgm:cxn modelId="{54117CEE-55B2-40EB-9E60-F8BF33BB3E74}" type="presOf" srcId="{060F3ABA-36E3-4DF8-89A3-5527A9AB9028}" destId="{E62F8013-FF11-4C4C-8C2C-23FDD8B2D77F}" srcOrd="0" destOrd="0" presId="urn:microsoft.com/office/officeart/2005/8/layout/hierarchy4"/>
     <dgm:cxn modelId="{5FE9281C-0BF4-4B8F-A256-27F21BF11E1B}" srcId="{66122578-A67A-4BEC-8DD6-1EEFC21D1A80}" destId="{59B87A8A-8AE0-4957-95EA-A53CB246013E}" srcOrd="0" destOrd="0" parTransId="{14C6D8D7-6035-4EB2-A4EE-6B880FA34227}" sibTransId="{742F472B-7FFA-4D77-8F20-0FB44AAA6229}"/>
-    <dgm:cxn modelId="{9D55FBEE-3EDD-42BE-9570-C4B607520D0D}" srcId="{DF3E1A54-D99E-4A39-B5F3-C80A514B46E8}" destId="{060F3ABA-36E3-4DF8-89A3-5527A9AB9028}" srcOrd="0" destOrd="0" parTransId="{E915DF27-696D-4815-AC52-18C9E8444B8B}" sibTransId="{89EAACC9-4300-4C4F-925B-B304A085CF50}"/>
-    <dgm:cxn modelId="{742ED71D-3889-43DA-92B4-4E2A0D98A88B}" srcId="{59B87A8A-8AE0-4957-95EA-A53CB246013E}" destId="{DF3E1A54-D99E-4A39-B5F3-C80A514B46E8}" srcOrd="1" destOrd="0" parTransId="{5EB4C3CB-6EEC-4761-8062-8A45AC381EA6}" sibTransId="{B51178B7-C249-41D9-B106-0E7CB6A4148A}"/>
-    <dgm:cxn modelId="{D18FDA5B-48B7-4528-B57A-E79030984D2C}" type="presOf" srcId="{66122578-A67A-4BEC-8DD6-1EEFC21D1A80}" destId="{334F112D-B1E4-40B5-90C0-C47D9971B26D}" srcOrd="0" destOrd="0" presId="urn:microsoft.com/office/officeart/2005/8/layout/hierarchy4"/>
     <dgm:cxn modelId="{2AA3C06D-C8A4-4A2B-B1D0-17870EEDDDE8}" type="presParOf" srcId="{334F112D-B1E4-40B5-90C0-C47D9971B26D}" destId="{6A5B8D15-E9C9-49FF-8D44-9A1DD72C6437}" srcOrd="0" destOrd="0" presId="urn:microsoft.com/office/officeart/2005/8/layout/hierarchy4"/>
     <dgm:cxn modelId="{5C391AE9-2D0A-4C78-B16A-7BBDED324FDD}" type="presParOf" srcId="{6A5B8D15-E9C9-49FF-8D44-9A1DD72C6437}" destId="{2315692A-DD9F-4D19-A7FE-8D9BA16072B0}" srcOrd="0" destOrd="0" presId="urn:microsoft.com/office/officeart/2005/8/layout/hierarchy4"/>
     <dgm:cxn modelId="{6A8D470D-4063-41A5-B8B9-84C417DE6FD5}" type="presParOf" srcId="{6A5B8D15-E9C9-49FF-8D44-9A1DD72C6437}" destId="{B4B738B5-9C1D-4AEB-B55F-7D7F3F343EE0}" srcOrd="1" destOrd="0" presId="urn:microsoft.com/office/officeart/2005/8/layout/hierarchy4"/>
@@ -3581,34 +3581,34 @@
     </dgm:pt>
   </dgm:ptLst>
   <dgm:cxnLst>
+    <dgm:cxn modelId="{A0CAA27B-C00D-4734-88CE-0E21C801D0D4}" type="presOf" srcId="{AF325EB1-44DE-4CB4-897C-0CFC254ACE37}" destId="{27D2BBF8-E573-419F-A0E8-91B8C4384E08}" srcOrd="0" destOrd="0" presId="urn:microsoft.com/office/officeart/2005/8/layout/orgChart1"/>
+    <dgm:cxn modelId="{1E941B70-339E-47B6-A1C1-8FF452477000}" type="presOf" srcId="{8A59BC52-6C9B-416A-99C4-B8C3EA195C13}" destId="{F281127D-57AE-4111-BF5E-1A0E8FBCC34C}" srcOrd="0" destOrd="0" presId="urn:microsoft.com/office/officeart/2005/8/layout/orgChart1"/>
+    <dgm:cxn modelId="{1B880B4C-FF67-4F7D-A36E-983CC4379675}" type="presOf" srcId="{B25EB86C-9920-4DA2-81B9-DDDCF30EEB9E}" destId="{3D3E7DFE-C616-40E4-A853-704509999E00}" srcOrd="0" destOrd="0" presId="urn:microsoft.com/office/officeart/2005/8/layout/orgChart1"/>
+    <dgm:cxn modelId="{F2542ED2-B32B-41BD-98E8-CAFCB94CA158}" type="presOf" srcId="{00CB2F25-4E9D-4A0C-8986-234340DF08E0}" destId="{69FF92A8-C4F5-440F-B833-B57A27A606CF}" srcOrd="0" destOrd="0" presId="urn:microsoft.com/office/officeart/2005/8/layout/orgChart1"/>
+    <dgm:cxn modelId="{90B862B3-C15C-4B89-897C-8022A23DDF96}" srcId="{B33E23E2-4F5D-4F94-938E-0E6B4A4D8EFD}" destId="{530E8221-362E-4FCD-A65F-24381E481991}" srcOrd="0" destOrd="0" parTransId="{3FB2ECA0-76EE-4D8F-8A0C-BE4106B3D25E}" sibTransId="{FDE46AC0-5020-4A43-B929-AC2B8DF6A120}"/>
     <dgm:cxn modelId="{FBEC85CB-8B62-42D2-8C1A-D7A3902DA676}" type="presOf" srcId="{00CB2F25-4E9D-4A0C-8986-234340DF08E0}" destId="{DD5DF5AF-A857-404E-86BC-221D95F49A4A}" srcOrd="1" destOrd="0" presId="urn:microsoft.com/office/officeart/2005/8/layout/orgChart1"/>
     <dgm:cxn modelId="{95248A7A-4778-4AFB-8A8D-51FD42814502}" type="presOf" srcId="{34961101-92E4-4A2A-8A91-2BCB165E82B5}" destId="{8256FEA1-A75B-4D39-975C-B5D6F0419921}" srcOrd="1" destOrd="0" presId="urn:microsoft.com/office/officeart/2005/8/layout/orgChart1"/>
+    <dgm:cxn modelId="{86C2FA01-29B9-4ED7-A9B2-DA3F2B6D2662}" type="presOf" srcId="{34961101-92E4-4A2A-8A91-2BCB165E82B5}" destId="{10613131-C488-4ACC-A8A3-F03ACCC9B35A}" srcOrd="0" destOrd="0" presId="urn:microsoft.com/office/officeart/2005/8/layout/orgChart1"/>
+    <dgm:cxn modelId="{7B9BB8A6-927A-4EA8-9DC4-7D82B37E0796}" srcId="{00CB2F25-4E9D-4A0C-8986-234340DF08E0}" destId="{AF325EB1-44DE-4CB4-897C-0CFC254ACE37}" srcOrd="0" destOrd="0" parTransId="{1726E5ED-123A-4A25-A0AD-8C02A7754830}" sibTransId="{0CACB679-51A6-4163-A236-B9738CCD665E}"/>
+    <dgm:cxn modelId="{FF945237-6AA4-4F22-9403-910E13694491}" type="presOf" srcId="{FDD46219-770C-41CF-A7C2-AEFDBB8E0345}" destId="{135DD210-C696-4DA5-9AAE-74ABFD1428F2}" srcOrd="0" destOrd="0" presId="urn:microsoft.com/office/officeart/2005/8/layout/orgChart1"/>
+    <dgm:cxn modelId="{9891F878-7BCE-49EF-9196-96EC59A99D8C}" type="presOf" srcId="{E349949C-B595-4815-8E5D-29C23C88AA89}" destId="{66D4D06D-C5AD-4502-A1DE-F3E47E0DED17}" srcOrd="0" destOrd="0" presId="urn:microsoft.com/office/officeart/2005/8/layout/orgChart1"/>
+    <dgm:cxn modelId="{5836D120-4FBF-4E89-81F1-2425D562E20D}" type="presOf" srcId="{B33E23E2-4F5D-4F94-938E-0E6B4A4D8EFD}" destId="{A3FB0207-4BEB-4F9D-95F9-D054949E46F2}" srcOrd="0" destOrd="0" presId="urn:microsoft.com/office/officeart/2005/8/layout/orgChart1"/>
+    <dgm:cxn modelId="{E8EA0F0F-F687-4D31-8D06-8F3780BB9A33}" type="presOf" srcId="{530E8221-362E-4FCD-A65F-24381E481991}" destId="{4982D171-CBE8-4F7E-81E4-6A22211D6A41}" srcOrd="1" destOrd="0" presId="urn:microsoft.com/office/officeart/2005/8/layout/orgChart1"/>
+    <dgm:cxn modelId="{7E458AEF-1ACC-4889-9F23-2C98FECB0F87}" type="presOf" srcId="{3FB2ECA0-76EE-4D8F-8A0C-BE4106B3D25E}" destId="{F8DC796D-0282-4A7D-A06A-642AB344A079}" srcOrd="0" destOrd="0" presId="urn:microsoft.com/office/officeart/2005/8/layout/orgChart1"/>
     <dgm:cxn modelId="{C38B4D79-278B-42D4-9518-5057F68C2A62}" type="presOf" srcId="{8A59BC52-6C9B-416A-99C4-B8C3EA195C13}" destId="{C38BB48D-FF89-45F3-9482-FA0462AEF473}" srcOrd="1" destOrd="0" presId="urn:microsoft.com/office/officeart/2005/8/layout/orgChart1"/>
+    <dgm:cxn modelId="{54D83DF6-7256-4D4C-9D46-5E44C4D92A3A}" srcId="{00CB2F25-4E9D-4A0C-8986-234340DF08E0}" destId="{FDD46219-770C-41CF-A7C2-AEFDBB8E0345}" srcOrd="1" destOrd="0" parTransId="{43190E33-1779-45D1-8B1F-7A9B193C83BB}" sibTransId="{3C72AB74-702D-453A-BA9F-42813FB541AB}"/>
+    <dgm:cxn modelId="{7E64732B-F9F5-4AB4-88B8-D6D1F7CD5267}" type="presOf" srcId="{680E850D-EBD5-4B2E-91F2-98BBE1DD003D}" destId="{F0EB0EED-7C06-4F36-8A3E-414BEF20553A}" srcOrd="0" destOrd="0" presId="urn:microsoft.com/office/officeart/2005/8/layout/orgChart1"/>
     <dgm:cxn modelId="{7E7CD670-993D-4529-A4A2-E2317ED53085}" srcId="{FDD46219-770C-41CF-A7C2-AEFDBB8E0345}" destId="{B33E23E2-4F5D-4F94-938E-0E6B4A4D8EFD}" srcOrd="0" destOrd="0" parTransId="{E349949C-B595-4815-8E5D-29C23C88AA89}" sibTransId="{8E95C42F-A905-483D-B68B-11A0AB2F5E17}"/>
-    <dgm:cxn modelId="{E8EA0F0F-F687-4D31-8D06-8F3780BB9A33}" type="presOf" srcId="{530E8221-362E-4FCD-A65F-24381E481991}" destId="{4982D171-CBE8-4F7E-81E4-6A22211D6A41}" srcOrd="1" destOrd="0" presId="urn:microsoft.com/office/officeart/2005/8/layout/orgChart1"/>
+    <dgm:cxn modelId="{48CF9BFE-BFBF-46F8-AC65-D6B121E34BCE}" srcId="{B25EB86C-9920-4DA2-81B9-DDDCF30EEB9E}" destId="{00CB2F25-4E9D-4A0C-8986-234340DF08E0}" srcOrd="0" destOrd="0" parTransId="{1BBBEDE8-8585-4D09-AFB6-E4319C026482}" sibTransId="{BB1E0004-EB89-45D4-B8E7-C564827C6847}"/>
+    <dgm:cxn modelId="{B898F2F5-49FD-4BDB-B55E-3B730A056A2C}" type="presOf" srcId="{43190E33-1779-45D1-8B1F-7A9B193C83BB}" destId="{89FF4F25-0E90-4E20-9AD8-69631687BC6F}" srcOrd="0" destOrd="0" presId="urn:microsoft.com/office/officeart/2005/8/layout/orgChart1"/>
+    <dgm:cxn modelId="{2E984620-318E-481F-9499-74BB201FDEAC}" type="presOf" srcId="{530E8221-362E-4FCD-A65F-24381E481991}" destId="{8C293C66-EF6A-4CD9-8DC8-4729565587D2}" srcOrd="0" destOrd="0" presId="urn:microsoft.com/office/officeart/2005/8/layout/orgChart1"/>
     <dgm:cxn modelId="{FEC6D48C-9015-47FB-8573-E70A24F9710F}" type="presOf" srcId="{FDD46219-770C-41CF-A7C2-AEFDBB8E0345}" destId="{AE482B00-A8AE-4CEF-8BA9-D118728107EF}" srcOrd="1" destOrd="0" presId="urn:microsoft.com/office/officeart/2005/8/layout/orgChart1"/>
-    <dgm:cxn modelId="{1B880B4C-FF67-4F7D-A36E-983CC4379675}" type="presOf" srcId="{B25EB86C-9920-4DA2-81B9-DDDCF30EEB9E}" destId="{3D3E7DFE-C616-40E4-A853-704509999E00}" srcOrd="0" destOrd="0" presId="urn:microsoft.com/office/officeart/2005/8/layout/orgChart1"/>
-    <dgm:cxn modelId="{F2542ED2-B32B-41BD-98E8-CAFCB94CA158}" type="presOf" srcId="{00CB2F25-4E9D-4A0C-8986-234340DF08E0}" destId="{69FF92A8-C4F5-440F-B833-B57A27A606CF}" srcOrd="0" destOrd="0" presId="urn:microsoft.com/office/officeart/2005/8/layout/orgChart1"/>
-    <dgm:cxn modelId="{48CF9BFE-BFBF-46F8-AC65-D6B121E34BCE}" srcId="{B25EB86C-9920-4DA2-81B9-DDDCF30EEB9E}" destId="{00CB2F25-4E9D-4A0C-8986-234340DF08E0}" srcOrd="0" destOrd="0" parTransId="{1BBBEDE8-8585-4D09-AFB6-E4319C026482}" sibTransId="{BB1E0004-EB89-45D4-B8E7-C564827C6847}"/>
-    <dgm:cxn modelId="{9891F878-7BCE-49EF-9196-96EC59A99D8C}" type="presOf" srcId="{E349949C-B595-4815-8E5D-29C23C88AA89}" destId="{66D4D06D-C5AD-4502-A1DE-F3E47E0DED17}" srcOrd="0" destOrd="0" presId="urn:microsoft.com/office/officeart/2005/8/layout/orgChart1"/>
-    <dgm:cxn modelId="{FF945237-6AA4-4F22-9403-910E13694491}" type="presOf" srcId="{FDD46219-770C-41CF-A7C2-AEFDBB8E0345}" destId="{135DD210-C696-4DA5-9AAE-74ABFD1428F2}" srcOrd="0" destOrd="0" presId="urn:microsoft.com/office/officeart/2005/8/layout/orgChart1"/>
-    <dgm:cxn modelId="{86C2FA01-29B9-4ED7-A9B2-DA3F2B6D2662}" type="presOf" srcId="{34961101-92E4-4A2A-8A91-2BCB165E82B5}" destId="{10613131-C488-4ACC-A8A3-F03ACCC9B35A}" srcOrd="0" destOrd="0" presId="urn:microsoft.com/office/officeart/2005/8/layout/orgChart1"/>
-    <dgm:cxn modelId="{2E984620-318E-481F-9499-74BB201FDEAC}" type="presOf" srcId="{530E8221-362E-4FCD-A65F-24381E481991}" destId="{8C293C66-EF6A-4CD9-8DC8-4729565587D2}" srcOrd="0" destOrd="0" presId="urn:microsoft.com/office/officeart/2005/8/layout/orgChart1"/>
+    <dgm:cxn modelId="{22A268E6-A7B1-40FF-B6C0-A4A47D802381}" srcId="{AF325EB1-44DE-4CB4-897C-0CFC254ACE37}" destId="{34961101-92E4-4A2A-8A91-2BCB165E82B5}" srcOrd="0" destOrd="0" parTransId="{D417A909-D0ED-4C5B-A54F-E9852CF8B2B2}" sibTransId="{363F86B8-84A6-44FF-9DF2-E7AA85414616}"/>
+    <dgm:cxn modelId="{F9582227-6E50-4C0C-8BA6-B8DB59FCD164}" type="presOf" srcId="{AF325EB1-44DE-4CB4-897C-0CFC254ACE37}" destId="{9F2686B4-1C00-499F-A44E-19803685BADF}" srcOrd="1" destOrd="0" presId="urn:microsoft.com/office/officeart/2005/8/layout/orgChart1"/>
     <dgm:cxn modelId="{9642516C-84EE-4002-8289-64A03DA33027}" srcId="{B33E23E2-4F5D-4F94-938E-0E6B4A4D8EFD}" destId="{8A59BC52-6C9B-416A-99C4-B8C3EA195C13}" srcOrd="1" destOrd="0" parTransId="{680E850D-EBD5-4B2E-91F2-98BBE1DD003D}" sibTransId="{F2142884-D3EF-4FC0-9282-0E05B9A95E1F}"/>
+    <dgm:cxn modelId="{8FD08327-B5F2-4DB0-9668-104BE8519B89}" type="presOf" srcId="{D417A909-D0ED-4C5B-A54F-E9852CF8B2B2}" destId="{DAD959B3-3CE9-478B-B71E-5EAD225A8D74}" srcOrd="0" destOrd="0" presId="urn:microsoft.com/office/officeart/2005/8/layout/orgChart1"/>
+    <dgm:cxn modelId="{BABAE2E5-477A-43DD-A3C0-C17420A14796}" type="presOf" srcId="{1726E5ED-123A-4A25-A0AD-8C02A7754830}" destId="{BB8DDC76-745B-4EE7-8163-BFF72C2E4DC9}" srcOrd="0" destOrd="0" presId="urn:microsoft.com/office/officeart/2005/8/layout/orgChart1"/>
     <dgm:cxn modelId="{47C99F8F-1F88-433E-AF6D-658A57E026FA}" type="presOf" srcId="{B33E23E2-4F5D-4F94-938E-0E6B4A4D8EFD}" destId="{FFC50F5B-6983-49F6-8EF1-C9AB265AAC54}" srcOrd="1" destOrd="0" presId="urn:microsoft.com/office/officeart/2005/8/layout/orgChart1"/>
-    <dgm:cxn modelId="{8FD08327-B5F2-4DB0-9668-104BE8519B89}" type="presOf" srcId="{D417A909-D0ED-4C5B-A54F-E9852CF8B2B2}" destId="{DAD959B3-3CE9-478B-B71E-5EAD225A8D74}" srcOrd="0" destOrd="0" presId="urn:microsoft.com/office/officeart/2005/8/layout/orgChart1"/>
-    <dgm:cxn modelId="{7B9BB8A6-927A-4EA8-9DC4-7D82B37E0796}" srcId="{00CB2F25-4E9D-4A0C-8986-234340DF08E0}" destId="{AF325EB1-44DE-4CB4-897C-0CFC254ACE37}" srcOrd="0" destOrd="0" parTransId="{1726E5ED-123A-4A25-A0AD-8C02A7754830}" sibTransId="{0CACB679-51A6-4163-A236-B9738CCD665E}"/>
-    <dgm:cxn modelId="{22A268E6-A7B1-40FF-B6C0-A4A47D802381}" srcId="{AF325EB1-44DE-4CB4-897C-0CFC254ACE37}" destId="{34961101-92E4-4A2A-8A91-2BCB165E82B5}" srcOrd="0" destOrd="0" parTransId="{D417A909-D0ED-4C5B-A54F-E9852CF8B2B2}" sibTransId="{363F86B8-84A6-44FF-9DF2-E7AA85414616}"/>
-    <dgm:cxn modelId="{A0CAA27B-C00D-4734-88CE-0E21C801D0D4}" type="presOf" srcId="{AF325EB1-44DE-4CB4-897C-0CFC254ACE37}" destId="{27D2BBF8-E573-419F-A0E8-91B8C4384E08}" srcOrd="0" destOrd="0" presId="urn:microsoft.com/office/officeart/2005/8/layout/orgChart1"/>
-    <dgm:cxn modelId="{BABAE2E5-477A-43DD-A3C0-C17420A14796}" type="presOf" srcId="{1726E5ED-123A-4A25-A0AD-8C02A7754830}" destId="{BB8DDC76-745B-4EE7-8163-BFF72C2E4DC9}" srcOrd="0" destOrd="0" presId="urn:microsoft.com/office/officeart/2005/8/layout/orgChart1"/>
-    <dgm:cxn modelId="{7E458AEF-1ACC-4889-9F23-2C98FECB0F87}" type="presOf" srcId="{3FB2ECA0-76EE-4D8F-8A0C-BE4106B3D25E}" destId="{F8DC796D-0282-4A7D-A06A-642AB344A079}" srcOrd="0" destOrd="0" presId="urn:microsoft.com/office/officeart/2005/8/layout/orgChart1"/>
-    <dgm:cxn modelId="{54D83DF6-7256-4D4C-9D46-5E44C4D92A3A}" srcId="{00CB2F25-4E9D-4A0C-8986-234340DF08E0}" destId="{FDD46219-770C-41CF-A7C2-AEFDBB8E0345}" srcOrd="1" destOrd="0" parTransId="{43190E33-1779-45D1-8B1F-7A9B193C83BB}" sibTransId="{3C72AB74-702D-453A-BA9F-42813FB541AB}"/>
-    <dgm:cxn modelId="{5836D120-4FBF-4E89-81F1-2425D562E20D}" type="presOf" srcId="{B33E23E2-4F5D-4F94-938E-0E6B4A4D8EFD}" destId="{A3FB0207-4BEB-4F9D-95F9-D054949E46F2}" srcOrd="0" destOrd="0" presId="urn:microsoft.com/office/officeart/2005/8/layout/orgChart1"/>
-    <dgm:cxn modelId="{90B862B3-C15C-4B89-897C-8022A23DDF96}" srcId="{B33E23E2-4F5D-4F94-938E-0E6B4A4D8EFD}" destId="{530E8221-362E-4FCD-A65F-24381E481991}" srcOrd="0" destOrd="0" parTransId="{3FB2ECA0-76EE-4D8F-8A0C-BE4106B3D25E}" sibTransId="{FDE46AC0-5020-4A43-B929-AC2B8DF6A120}"/>
-    <dgm:cxn modelId="{B898F2F5-49FD-4BDB-B55E-3B730A056A2C}" type="presOf" srcId="{43190E33-1779-45D1-8B1F-7A9B193C83BB}" destId="{89FF4F25-0E90-4E20-9AD8-69631687BC6F}" srcOrd="0" destOrd="0" presId="urn:microsoft.com/office/officeart/2005/8/layout/orgChart1"/>
-    <dgm:cxn modelId="{F9582227-6E50-4C0C-8BA6-B8DB59FCD164}" type="presOf" srcId="{AF325EB1-44DE-4CB4-897C-0CFC254ACE37}" destId="{9F2686B4-1C00-499F-A44E-19803685BADF}" srcOrd="1" destOrd="0" presId="urn:microsoft.com/office/officeart/2005/8/layout/orgChart1"/>
-    <dgm:cxn modelId="{1E941B70-339E-47B6-A1C1-8FF452477000}" type="presOf" srcId="{8A59BC52-6C9B-416A-99C4-B8C3EA195C13}" destId="{F281127D-57AE-4111-BF5E-1A0E8FBCC34C}" srcOrd="0" destOrd="0" presId="urn:microsoft.com/office/officeart/2005/8/layout/orgChart1"/>
-    <dgm:cxn modelId="{7E64732B-F9F5-4AB4-88B8-D6D1F7CD5267}" type="presOf" srcId="{680E850D-EBD5-4B2E-91F2-98BBE1DD003D}" destId="{F0EB0EED-7C06-4F36-8A3E-414BEF20553A}" srcOrd="0" destOrd="0" presId="urn:microsoft.com/office/officeart/2005/8/layout/orgChart1"/>
     <dgm:cxn modelId="{2A7758F1-F213-4F6C-B9E1-851C6F034743}" type="presParOf" srcId="{3D3E7DFE-C616-40E4-A853-704509999E00}" destId="{B43BEF35-A3DF-4D46-BE51-973F0E9ECE50}" srcOrd="0" destOrd="0" presId="urn:microsoft.com/office/officeart/2005/8/layout/orgChart1"/>
     <dgm:cxn modelId="{DDA32686-4EEC-43B8-A891-3390E1C001F6}" type="presParOf" srcId="{B43BEF35-A3DF-4D46-BE51-973F0E9ECE50}" destId="{D96ADB50-5FAD-4799-A07A-2F5F8CC16438}" srcOrd="0" destOrd="0" presId="urn:microsoft.com/office/officeart/2005/8/layout/orgChart1"/>
     <dgm:cxn modelId="{9F9CA138-3E1B-44D8-B862-9F9810CA9FEF}" type="presParOf" srcId="{D96ADB50-5FAD-4799-A07A-2F5F8CC16438}" destId="{69FF92A8-C4F5-440F-B833-B57A27A606CF}" srcOrd="0" destOrd="0" presId="urn:microsoft.com/office/officeart/2005/8/layout/orgChart1"/>
@@ -5217,69 +5217,69 @@
     </dgm:pt>
   </dgm:ptLst>
   <dgm:cxnLst>
+    <dgm:cxn modelId="{6F2D6D7A-2FAC-4300-826C-D9597DCC87B0}" type="presOf" srcId="{1EFE2ECC-0017-40A5-AAA9-8983A9B2FFCF}" destId="{7B2940C2-D5C5-4EBB-BEC9-7CFA64BC3A5C}" srcOrd="0" destOrd="0" presId="urn:microsoft.com/office/officeart/2008/layout/HorizontalMultiLevelHierarchy"/>
+    <dgm:cxn modelId="{20CCC187-31CE-4731-90DF-0CC3A85946A0}" type="presOf" srcId="{1EFE2ECC-0017-40A5-AAA9-8983A9B2FFCF}" destId="{152F23B2-FA6C-466A-BBA1-0A9B8735D9B1}" srcOrd="1" destOrd="0" presId="urn:microsoft.com/office/officeart/2008/layout/HorizontalMultiLevelHierarchy"/>
+    <dgm:cxn modelId="{D8B66303-EE75-4683-A534-FA813E2A74A9}" type="presOf" srcId="{6F7F9B0F-9E1A-4CC3-AFDD-B4339D62816E}" destId="{1B652C12-3BA6-4C6F-BDC8-CFC8166C4A45}" srcOrd="1" destOrd="0" presId="urn:microsoft.com/office/officeart/2008/layout/HorizontalMultiLevelHierarchy"/>
+    <dgm:cxn modelId="{63FC49B6-531A-428F-9EAC-8207E9CD42A5}" type="presOf" srcId="{FFAFCDB9-7994-45DE-AF74-39D56EF00185}" destId="{C97191D1-86FA-4373-8265-D463DF53E9C1}" srcOrd="0" destOrd="0" presId="urn:microsoft.com/office/officeart/2008/layout/HorizontalMultiLevelHierarchy"/>
+    <dgm:cxn modelId="{0C8C08EE-D871-4420-8084-6E7CEE016BC2}" srcId="{3D14FC88-6CB5-4AF0-8FBD-D5B533CAC012}" destId="{AFBD073B-D2A4-45D5-AF03-49D19FBD23C6}" srcOrd="3" destOrd="0" parTransId="{356686CA-539C-428E-9AEC-A6AC0E861B30}" sibTransId="{0063DEE7-CC11-4ADF-8149-E392C414EC83}"/>
+    <dgm:cxn modelId="{725E9B4B-0139-4ED5-B381-CB21ABE442C3}" type="presOf" srcId="{3FE791B2-6BC7-42D7-8F72-12A54ED062C6}" destId="{2DE35FD0-D9D0-4C09-B9DA-3F5C89400729}" srcOrd="1" destOrd="0" presId="urn:microsoft.com/office/officeart/2008/layout/HorizontalMultiLevelHierarchy"/>
+    <dgm:cxn modelId="{A36C7A91-1BF7-46D5-8D4A-1ABEE4A9F131}" type="presOf" srcId="{76116F44-CCCE-4B0E-B74A-B5547397C143}" destId="{2B56730D-0F80-45A0-AED1-5D4BDAF8A19A}" srcOrd="1" destOrd="0" presId="urn:microsoft.com/office/officeart/2008/layout/HorizontalMultiLevelHierarchy"/>
+    <dgm:cxn modelId="{CA01DE93-9840-4AFF-A664-089E3507819A}" type="presOf" srcId="{B19EA2B5-07E7-4A22-8F9F-1C24B12F9864}" destId="{75302493-35DF-4859-B7D9-50CD32FD65E0}" srcOrd="1" destOrd="0" presId="urn:microsoft.com/office/officeart/2008/layout/HorizontalMultiLevelHierarchy"/>
+    <dgm:cxn modelId="{41D5EE47-5C68-4467-9227-A4580038BA16}" type="presOf" srcId="{C64BDD73-A9D4-4DD9-B038-E2737E375D70}" destId="{2F9F47F8-9E65-4802-A721-A6037E359A7E}" srcOrd="0" destOrd="0" presId="urn:microsoft.com/office/officeart/2008/layout/HorizontalMultiLevelHierarchy"/>
+    <dgm:cxn modelId="{CC9A6A34-560E-4AB4-A23D-20885E1C281C}" type="presOf" srcId="{54653930-314D-4CF3-B05E-82E766716A88}" destId="{4BF02253-C164-49A3-AF7E-4619864DADE5}" srcOrd="0" destOrd="0" presId="urn:microsoft.com/office/officeart/2008/layout/HorizontalMultiLevelHierarchy"/>
+    <dgm:cxn modelId="{1009B13B-BFC9-4436-9DA7-32D7AF196CD1}" type="presOf" srcId="{086F7281-3E41-4D5B-8950-BAAF797864FA}" destId="{DC1357B6-47C4-46B0-9891-F24F46AA2B6B}" srcOrd="0" destOrd="0" presId="urn:microsoft.com/office/officeart/2008/layout/HorizontalMultiLevelHierarchy"/>
+    <dgm:cxn modelId="{BBA09175-AB9F-49B0-9F54-2D2930CA607C}" type="presOf" srcId="{6A0F6BD2-9B4B-4AB3-BB2A-2B48AB4534DE}" destId="{D4A60B13-9DAF-49BD-A710-6579461D213B}" srcOrd="0" destOrd="0" presId="urn:microsoft.com/office/officeart/2008/layout/HorizontalMultiLevelHierarchy"/>
+    <dgm:cxn modelId="{FFDDEFDF-9DE4-4EC7-9409-D5D7C1C5EE0D}" srcId="{3D14FC88-6CB5-4AF0-8FBD-D5B533CAC012}" destId="{FFAFCDB9-7994-45DE-AF74-39D56EF00185}" srcOrd="6" destOrd="0" parTransId="{6A0F6BD2-9B4B-4AB3-BB2A-2B48AB4534DE}" sibTransId="{B2986BC7-D1F2-4F63-A348-08B9FD2C6A90}"/>
+    <dgm:cxn modelId="{F8E0D457-2C4C-4EC1-BE95-FB87617CE55F}" type="presOf" srcId="{76116F44-CCCE-4B0E-B74A-B5547397C143}" destId="{ED482FBA-77F7-4F39-9E37-3E2266DB0D8A}" srcOrd="0" destOrd="0" presId="urn:microsoft.com/office/officeart/2008/layout/HorizontalMultiLevelHierarchy"/>
+    <dgm:cxn modelId="{3F9A6EFD-D5D7-40F7-A7E6-4083EFC38080}" srcId="{3D14FC88-6CB5-4AF0-8FBD-D5B533CAC012}" destId="{7D09D41D-88F1-4E0C-AFB3-52334C825E00}" srcOrd="5" destOrd="0" parTransId="{76116F44-CCCE-4B0E-B74A-B5547397C143}" sibTransId="{028A3967-9F68-4B49-A10C-1B660B404781}"/>
+    <dgm:cxn modelId="{3BECB58E-974D-4326-A6EA-4D633263E290}" type="presOf" srcId="{EE836F6D-CB46-4BB8-A57C-9D366EBBF3F7}" destId="{E5E473C9-CBE4-4DD8-9CB9-DF19228E18B4}" srcOrd="0" destOrd="0" presId="urn:microsoft.com/office/officeart/2008/layout/HorizontalMultiLevelHierarchy"/>
+    <dgm:cxn modelId="{0398C218-7654-42E8-9C21-44F86D4FA051}" type="presOf" srcId="{8FCA4F6B-635B-4E88-8D99-F67E2AB48419}" destId="{867A0814-2655-4C90-8246-3A7A6152FF40}" srcOrd="0" destOrd="0" presId="urn:microsoft.com/office/officeart/2008/layout/HorizontalMultiLevelHierarchy"/>
+    <dgm:cxn modelId="{88572303-E628-4B5F-9075-CD4AC2AF61BD}" type="presOf" srcId="{3619427A-CC40-4DAF-9C9E-1BF3A1C8D300}" destId="{FD6F57A1-EF2D-4433-B159-101AE5F2266F}" srcOrd="0" destOrd="0" presId="urn:microsoft.com/office/officeart/2008/layout/HorizontalMultiLevelHierarchy"/>
+    <dgm:cxn modelId="{2050AD0E-A136-4555-8772-B6D1A7C1AD71}" type="presOf" srcId="{C9C81323-F412-43A7-AAC5-75B6AF5614D2}" destId="{509F61BE-5A19-482B-8015-48690FB0ADA0}" srcOrd="0" destOrd="0" presId="urn:microsoft.com/office/officeart/2008/layout/HorizontalMultiLevelHierarchy"/>
+    <dgm:cxn modelId="{45CAEB16-5B7A-43DA-BDEF-272D9F406EAD}" type="presOf" srcId="{F154E853-9459-4BCD-BA42-A92BFFA828A6}" destId="{A482469F-D7F0-479D-8835-69D90A9A3F68}" srcOrd="0" destOrd="0" presId="urn:microsoft.com/office/officeart/2008/layout/HorizontalMultiLevelHierarchy"/>
+    <dgm:cxn modelId="{AAFD1775-B353-4F08-B4DD-8C8521191862}" type="presOf" srcId="{C9C81323-F412-43A7-AAC5-75B6AF5614D2}" destId="{4191249C-870B-4596-8AC8-C24F6155E4E7}" srcOrd="1" destOrd="0" presId="urn:microsoft.com/office/officeart/2008/layout/HorizontalMultiLevelHierarchy"/>
+    <dgm:cxn modelId="{9CCCDFFC-134E-49C6-8BCD-566080365247}" type="presOf" srcId="{B19EA2B5-07E7-4A22-8F9F-1C24B12F9864}" destId="{E878B470-44C4-455D-99B9-F480FF336ED5}" srcOrd="0" destOrd="0" presId="urn:microsoft.com/office/officeart/2008/layout/HorizontalMultiLevelHierarchy"/>
+    <dgm:cxn modelId="{C857C0E2-6B5F-42CE-9606-C142B2492C95}" srcId="{42489EA4-931C-44AE-9191-E6E15E1C1097}" destId="{3619427A-CC40-4DAF-9C9E-1BF3A1C8D300}" srcOrd="0" destOrd="0" parTransId="{B19EA2B5-07E7-4A22-8F9F-1C24B12F9864}" sibTransId="{97C1870C-75B3-40AA-9C5D-B5CB27F13F97}"/>
+    <dgm:cxn modelId="{E49C4D02-53DD-4EAF-81F6-0EF349A89356}" type="presOf" srcId="{8FCA4F6B-635B-4E88-8D99-F67E2AB48419}" destId="{D6BEAB9E-D33D-4837-BA6D-DD8D675AF587}" srcOrd="1" destOrd="0" presId="urn:microsoft.com/office/officeart/2008/layout/HorizontalMultiLevelHierarchy"/>
     <dgm:cxn modelId="{26D5E773-E25A-41D8-A13E-B8C5B771413B}" type="presOf" srcId="{F0ABE1F1-9B71-4709-AD2B-5F583ACA9C38}" destId="{3B468C34-9ED2-411F-A9BA-7A36D459A561}" srcOrd="0" destOrd="0" presId="urn:microsoft.com/office/officeart/2008/layout/HorizontalMultiLevelHierarchy"/>
-    <dgm:cxn modelId="{725E9B4B-0139-4ED5-B381-CB21ABE442C3}" type="presOf" srcId="{3FE791B2-6BC7-42D7-8F72-12A54ED062C6}" destId="{2DE35FD0-D9D0-4C09-B9DA-3F5C89400729}" srcOrd="1" destOrd="0" presId="urn:microsoft.com/office/officeart/2008/layout/HorizontalMultiLevelHierarchy"/>
+    <dgm:cxn modelId="{70A475FD-3DC6-440A-A4CF-E50547002BAF}" type="presOf" srcId="{DD763935-6C13-4EF7-B3F9-97F6C67143F9}" destId="{984705FC-DC5A-49A5-B9F5-4CDB087A32E1}" srcOrd="1" destOrd="0" presId="urn:microsoft.com/office/officeart/2008/layout/HorizontalMultiLevelHierarchy"/>
+    <dgm:cxn modelId="{B4C5B982-E00D-44A0-BDE5-12CCCDC4D414}" type="presOf" srcId="{356686CA-539C-428E-9AEC-A6AC0E861B30}" destId="{F932BE11-2BEA-48DF-B311-8FB85FCA6B26}" srcOrd="1" destOrd="0" presId="urn:microsoft.com/office/officeart/2008/layout/HorizontalMultiLevelHierarchy"/>
+    <dgm:cxn modelId="{810BC9AD-65D3-4410-87F4-F4E9A632DEFF}" srcId="{99F8D923-A856-4F57-A085-479CA89EFCA1}" destId="{EA9793EE-CEA8-48D3-A0F5-B749068211CE}" srcOrd="0" destOrd="0" parTransId="{F07D1CB1-C13D-417E-A9E9-2E46DEB5FCE5}" sibTransId="{B5878C6C-5C37-439E-8631-24DBF0AD5401}"/>
+    <dgm:cxn modelId="{83895140-E432-4575-9F6C-7D40E2C62F1C}" srcId="{3D14FC88-6CB5-4AF0-8FBD-D5B533CAC012}" destId="{C267D630-5768-40EE-8214-BCB327E3387A}" srcOrd="4" destOrd="0" parTransId="{54653930-314D-4CF3-B05E-82E766716A88}" sibTransId="{92216F78-B526-4C55-A57B-99330EF00330}"/>
+    <dgm:cxn modelId="{85C10FC5-A1AE-4E45-AED1-81C3CB2442E5}" type="presOf" srcId="{46D5DC87-27FC-4A34-A8EA-D5AEB60D5C83}" destId="{FD6C3DC6-E976-4B3E-A55A-EB12F83534E4}" srcOrd="0" destOrd="0" presId="urn:microsoft.com/office/officeart/2008/layout/HorizontalMultiLevelHierarchy"/>
+    <dgm:cxn modelId="{EA1D7BE4-BC54-4D42-9BAF-09FD0A6456BD}" type="presOf" srcId="{3A2D4EDB-8CC6-49F3-B3AC-F7362E4FE931}" destId="{49478094-1371-4FA8-91DA-F3AA199F56CA}" srcOrd="0" destOrd="0" presId="urn:microsoft.com/office/officeart/2008/layout/HorizontalMultiLevelHierarchy"/>
+    <dgm:cxn modelId="{05064CC4-97A6-4A51-8596-5D5382F75628}" type="presOf" srcId="{3FE791B2-6BC7-42D7-8F72-12A54ED062C6}" destId="{CF0E66E0-19C1-488F-834B-384BD0327280}" srcOrd="0" destOrd="0" presId="urn:microsoft.com/office/officeart/2008/layout/HorizontalMultiLevelHierarchy"/>
+    <dgm:cxn modelId="{229A2B52-1764-4DA6-953A-6814A492AA4B}" type="presOf" srcId="{C267D630-5768-40EE-8214-BCB327E3387A}" destId="{CF1D31AE-C4A5-45C4-BE92-9410B256453C}" srcOrd="0" destOrd="0" presId="urn:microsoft.com/office/officeart/2008/layout/HorizontalMultiLevelHierarchy"/>
+    <dgm:cxn modelId="{CD8B624B-1E9E-45C7-9529-6AA61F3CBD2B}" type="presOf" srcId="{33CD05AE-93E5-4DBF-B20A-DF2D88D95208}" destId="{C61D7F64-BF95-4B25-93C0-F61B3F72ACB2}" srcOrd="0" destOrd="0" presId="urn:microsoft.com/office/officeart/2008/layout/HorizontalMultiLevelHierarchy"/>
+    <dgm:cxn modelId="{FA7AE832-A786-423D-8532-E978080ABB92}" type="presOf" srcId="{F07D1CB1-C13D-417E-A9E9-2E46DEB5FCE5}" destId="{EB2F2A59-AFB4-4FBE-B444-8FADE30C0318}" srcOrd="0" destOrd="0" presId="urn:microsoft.com/office/officeart/2008/layout/HorizontalMultiLevelHierarchy"/>
+    <dgm:cxn modelId="{79B2B8CF-9FB4-49E0-AEDA-2BE522AE3AFD}" type="presOf" srcId="{46000050-9BF2-42D6-842E-ED6B18CF6C1C}" destId="{D9475492-13B8-459D-A954-CC092ABEA7A9}" srcOrd="0" destOrd="0" presId="urn:microsoft.com/office/officeart/2008/layout/HorizontalMultiLevelHierarchy"/>
+    <dgm:cxn modelId="{1FF9DD37-26B4-4139-B2D8-5EBB98F8C4CB}" type="presOf" srcId="{5CF8AA70-3502-4A09-BBC2-710C34C91FD9}" destId="{F8EB72A9-D00D-410C-BC3D-75DCB604C18B}" srcOrd="0" destOrd="0" presId="urn:microsoft.com/office/officeart/2008/layout/HorizontalMultiLevelHierarchy"/>
+    <dgm:cxn modelId="{66485616-8EC3-4D6B-973F-4FED3411E6CE}" type="presOf" srcId="{46D5DC87-27FC-4A34-A8EA-D5AEB60D5C83}" destId="{4CD9EA02-822F-4A4D-9DA1-2155A3EC7D1F}" srcOrd="1" destOrd="0" presId="urn:microsoft.com/office/officeart/2008/layout/HorizontalMultiLevelHierarchy"/>
+    <dgm:cxn modelId="{49C133BF-93BB-4540-949E-F0AA0C96408C}" type="presOf" srcId="{EA9793EE-CEA8-48D3-A0F5-B749068211CE}" destId="{D42E76A7-029C-47DE-8827-FE1B903AB643}" srcOrd="0" destOrd="0" presId="urn:microsoft.com/office/officeart/2008/layout/HorizontalMultiLevelHierarchy"/>
+    <dgm:cxn modelId="{A8F1A84B-2CF1-4C66-B03C-64C7425968C1}" srcId="{2C0AB92A-87E2-4D88-B0FA-111589C7DCFB}" destId="{42489EA4-931C-44AE-9191-E6E15E1C1097}" srcOrd="0" destOrd="0" parTransId="{2CE9B085-3B7B-40B8-AC70-1BCE2FD948E8}" sibTransId="{3A4F8708-1D5A-49E4-9B51-66F671B05B63}"/>
+    <dgm:cxn modelId="{5BEA767B-F324-4559-BE15-DFE42A1739FA}" srcId="{3619427A-CC40-4DAF-9C9E-1BF3A1C8D300}" destId="{EE836F6D-CB46-4BB8-A57C-9D366EBBF3F7}" srcOrd="1" destOrd="0" parTransId="{086F7281-3E41-4D5B-8950-BAAF797864FA}" sibTransId="{98BB6B3B-539C-4AA6-8DD4-16BD199C2C21}"/>
+    <dgm:cxn modelId="{2F4472CE-253A-49C0-92B2-0ABB10644ECD}" type="presOf" srcId="{2C0AB92A-87E2-4D88-B0FA-111589C7DCFB}" destId="{0A2496E6-F599-4DFE-AAD3-D23F302CF771}" srcOrd="0" destOrd="0" presId="urn:microsoft.com/office/officeart/2008/layout/HorizontalMultiLevelHierarchy"/>
+    <dgm:cxn modelId="{E6557688-18D3-4A8C-80F4-FDFA96E69620}" type="presOf" srcId="{42489EA4-931C-44AE-9191-E6E15E1C1097}" destId="{D78F2F97-B6E9-4A9D-A5E9-D4BB95BF68A2}" srcOrd="0" destOrd="0" presId="urn:microsoft.com/office/officeart/2008/layout/HorizontalMultiLevelHierarchy"/>
+    <dgm:cxn modelId="{C84AED82-A6EE-456B-8CC1-E7BAC528D7DB}" type="presOf" srcId="{356686CA-539C-428E-9AEC-A6AC0E861B30}" destId="{F6DE731F-67D3-49A0-8124-4F7D4E37A702}" srcOrd="0" destOrd="0" presId="urn:microsoft.com/office/officeart/2008/layout/HorizontalMultiLevelHierarchy"/>
+    <dgm:cxn modelId="{0374EBEC-46D6-4462-A795-09D3A75C1E42}" type="presOf" srcId="{6F7F9B0F-9E1A-4CC3-AFDD-B4339D62816E}" destId="{AC0502F8-DAB2-4F1A-80F6-823B84EF6947}" srcOrd="0" destOrd="0" presId="urn:microsoft.com/office/officeart/2008/layout/HorizontalMultiLevelHierarchy"/>
+    <dgm:cxn modelId="{946703D6-AC09-4E53-9E80-F80ED26734DE}" type="presOf" srcId="{99F8D923-A856-4F57-A085-479CA89EFCA1}" destId="{782B84CE-6D06-4597-82F0-AF52D86B5D99}" srcOrd="0" destOrd="0" presId="urn:microsoft.com/office/officeart/2008/layout/HorizontalMultiLevelHierarchy"/>
+    <dgm:cxn modelId="{FB823CF2-7257-49B9-BB7E-D4521AD243F4}" srcId="{3619427A-CC40-4DAF-9C9E-1BF3A1C8D300}" destId="{46000050-9BF2-42D6-842E-ED6B18CF6C1C}" srcOrd="3" destOrd="0" parTransId="{46D5DC87-27FC-4A34-A8EA-D5AEB60D5C83}" sibTransId="{2D95ED27-E886-4DEE-B3B9-D4392F7ACEE0}"/>
+    <dgm:cxn modelId="{6CA1D294-AB71-4845-8618-ABBAC25F3530}" srcId="{3619427A-CC40-4DAF-9C9E-1BF3A1C8D300}" destId="{99F8D923-A856-4F57-A085-479CA89EFCA1}" srcOrd="0" destOrd="0" parTransId="{8FCA4F6B-635B-4E88-8D99-F67E2AB48419}" sibTransId="{6076A074-4180-45F5-9F1B-139A41C7FECA}"/>
+    <dgm:cxn modelId="{D78585AF-8973-4762-B8C0-8C1E76A6186F}" type="presOf" srcId="{F154E853-9459-4BCD-BA42-A92BFFA828A6}" destId="{6F59013E-ADE8-46B2-9501-7B0F5440323A}" srcOrd="1" destOrd="0" presId="urn:microsoft.com/office/officeart/2008/layout/HorizontalMultiLevelHierarchy"/>
+    <dgm:cxn modelId="{ADB5A03C-89CB-4E70-B8B9-83F488E7DCB8}" type="presOf" srcId="{7D09D41D-88F1-4E0C-AFB3-52334C825E00}" destId="{B3022B3E-46F6-445C-9AB5-79BA3EEA0DC3}" srcOrd="0" destOrd="0" presId="urn:microsoft.com/office/officeart/2008/layout/HorizontalMultiLevelHierarchy"/>
+    <dgm:cxn modelId="{D599F9B2-45BE-44CA-8E5A-910F804CCF70}" type="presOf" srcId="{DD763935-6C13-4EF7-B3F9-97F6C67143F9}" destId="{B87BAE57-DA98-48EA-966F-D838AA337BF5}" srcOrd="0" destOrd="0" presId="urn:microsoft.com/office/officeart/2008/layout/HorizontalMultiLevelHierarchy"/>
+    <dgm:cxn modelId="{207A88BF-5C20-40EB-8DE0-9E6A9A8EA9CA}" srcId="{3619427A-CC40-4DAF-9C9E-1BF3A1C8D300}" destId="{3A2D4EDB-8CC6-49F3-B3AC-F7362E4FE931}" srcOrd="2" destOrd="0" parTransId="{3FE791B2-6BC7-42D7-8F72-12A54ED062C6}" sibTransId="{7B8EB953-8AA8-4854-8E0A-454AAB1A42E6}"/>
+    <dgm:cxn modelId="{1C22E9AD-BF88-4882-B8B6-4C16098AA04D}" srcId="{3D14FC88-6CB5-4AF0-8FBD-D5B533CAC012}" destId="{5CF8AA70-3502-4A09-BBC2-710C34C91FD9}" srcOrd="1" destOrd="0" parTransId="{DD763935-6C13-4EF7-B3F9-97F6C67143F9}" sibTransId="{A086EAE0-A27A-4831-91D9-4D224625C3AA}"/>
+    <dgm:cxn modelId="{6B3A86E0-27AA-435A-BE0E-0AF44410BF7D}" type="presOf" srcId="{54653930-314D-4CF3-B05E-82E766716A88}" destId="{08D55F04-CF9C-4B70-ADD3-381F66F9C509}" srcOrd="1" destOrd="0" presId="urn:microsoft.com/office/officeart/2008/layout/HorizontalMultiLevelHierarchy"/>
+    <dgm:cxn modelId="{3B49EC15-A653-4554-8C90-4FFC0D6D7534}" type="presOf" srcId="{3D14FC88-6CB5-4AF0-8FBD-D5B533CAC012}" destId="{339FB670-83CB-4293-86CE-36B8DD58D102}" srcOrd="0" destOrd="0" presId="urn:microsoft.com/office/officeart/2008/layout/HorizontalMultiLevelHierarchy"/>
+    <dgm:cxn modelId="{DBABFC12-4779-4F34-92B4-DFB4561E1DF4}" type="presOf" srcId="{086F7281-3E41-4D5B-8950-BAAF797864FA}" destId="{6CFCC177-9F97-493C-97C4-58A6C762CA72}" srcOrd="1" destOrd="0" presId="urn:microsoft.com/office/officeart/2008/layout/HorizontalMultiLevelHierarchy"/>
+    <dgm:cxn modelId="{637221CA-0B68-4FA2-A821-D735FF0FFECD}" srcId="{3D14FC88-6CB5-4AF0-8FBD-D5B533CAC012}" destId="{C64BDD73-A9D4-4DD9-B038-E2737E375D70}" srcOrd="0" destOrd="0" parTransId="{6F7F9B0F-9E1A-4CC3-AFDD-B4339D62816E}" sibTransId="{F914791A-9B18-4E39-A893-9694BA754A75}"/>
     <dgm:cxn modelId="{8D8DD340-143A-4C60-8B58-99CC8DCE0733}" type="presOf" srcId="{AFBD073B-D2A4-45D5-AF03-49D19FBD23C6}" destId="{9EFEB5A8-3B2F-4ED1-9105-CB54091CFB3C}" srcOrd="0" destOrd="0" presId="urn:microsoft.com/office/officeart/2008/layout/HorizontalMultiLevelHierarchy"/>
-    <dgm:cxn modelId="{FB823CF2-7257-49B9-BB7E-D4521AD243F4}" srcId="{3619427A-CC40-4DAF-9C9E-1BF3A1C8D300}" destId="{46000050-9BF2-42D6-842E-ED6B18CF6C1C}" srcOrd="3" destOrd="0" parTransId="{46D5DC87-27FC-4A34-A8EA-D5AEB60D5C83}" sibTransId="{2D95ED27-E886-4DEE-B3B9-D4392F7ACEE0}"/>
-    <dgm:cxn modelId="{A8F1A84B-2CF1-4C66-B03C-64C7425968C1}" srcId="{2C0AB92A-87E2-4D88-B0FA-111589C7DCFB}" destId="{42489EA4-931C-44AE-9191-E6E15E1C1097}" srcOrd="0" destOrd="0" parTransId="{2CE9B085-3B7B-40B8-AC70-1BCE2FD948E8}" sibTransId="{3A4F8708-1D5A-49E4-9B51-66F671B05B63}"/>
-    <dgm:cxn modelId="{05064CC4-97A6-4A51-8596-5D5382F75628}" type="presOf" srcId="{3FE791B2-6BC7-42D7-8F72-12A54ED062C6}" destId="{CF0E66E0-19C1-488F-834B-384BD0327280}" srcOrd="0" destOrd="0" presId="urn:microsoft.com/office/officeart/2008/layout/HorizontalMultiLevelHierarchy"/>
-    <dgm:cxn modelId="{DBABFC12-4779-4F34-92B4-DFB4561E1DF4}" type="presOf" srcId="{086F7281-3E41-4D5B-8950-BAAF797864FA}" destId="{6CFCC177-9F97-493C-97C4-58A6C762CA72}" srcOrd="1" destOrd="0" presId="urn:microsoft.com/office/officeart/2008/layout/HorizontalMultiLevelHierarchy"/>
-    <dgm:cxn modelId="{41D5EE47-5C68-4467-9227-A4580038BA16}" type="presOf" srcId="{C64BDD73-A9D4-4DD9-B038-E2737E375D70}" destId="{2F9F47F8-9E65-4802-A721-A6037E359A7E}" srcOrd="0" destOrd="0" presId="urn:microsoft.com/office/officeart/2008/layout/HorizontalMultiLevelHierarchy"/>
-    <dgm:cxn modelId="{45CAEB16-5B7A-43DA-BDEF-272D9F406EAD}" type="presOf" srcId="{F154E853-9459-4BCD-BA42-A92BFFA828A6}" destId="{A482469F-D7F0-479D-8835-69D90A9A3F68}" srcOrd="0" destOrd="0" presId="urn:microsoft.com/office/officeart/2008/layout/HorizontalMultiLevelHierarchy"/>
-    <dgm:cxn modelId="{FFDDEFDF-9DE4-4EC7-9409-D5D7C1C5EE0D}" srcId="{3D14FC88-6CB5-4AF0-8FBD-D5B533CAC012}" destId="{FFAFCDB9-7994-45DE-AF74-39D56EF00185}" srcOrd="6" destOrd="0" parTransId="{6A0F6BD2-9B4B-4AB3-BB2A-2B48AB4534DE}" sibTransId="{B2986BC7-D1F2-4F63-A348-08B9FD2C6A90}"/>
-    <dgm:cxn modelId="{6B3A86E0-27AA-435A-BE0E-0AF44410BF7D}" type="presOf" srcId="{54653930-314D-4CF3-B05E-82E766716A88}" destId="{08D55F04-CF9C-4B70-ADD3-381F66F9C509}" srcOrd="1" destOrd="0" presId="urn:microsoft.com/office/officeart/2008/layout/HorizontalMultiLevelHierarchy"/>
-    <dgm:cxn modelId="{0398C218-7654-42E8-9C21-44F86D4FA051}" type="presOf" srcId="{8FCA4F6B-635B-4E88-8D99-F67E2AB48419}" destId="{867A0814-2655-4C90-8246-3A7A6152FF40}" srcOrd="0" destOrd="0" presId="urn:microsoft.com/office/officeart/2008/layout/HorizontalMultiLevelHierarchy"/>
-    <dgm:cxn modelId="{85C10FC5-A1AE-4E45-AED1-81C3CB2442E5}" type="presOf" srcId="{46D5DC87-27FC-4A34-A8EA-D5AEB60D5C83}" destId="{FD6C3DC6-E976-4B3E-A55A-EB12F83534E4}" srcOrd="0" destOrd="0" presId="urn:microsoft.com/office/officeart/2008/layout/HorizontalMultiLevelHierarchy"/>
-    <dgm:cxn modelId="{3B49EC15-A653-4554-8C90-4FFC0D6D7534}" type="presOf" srcId="{3D14FC88-6CB5-4AF0-8FBD-D5B533CAC012}" destId="{339FB670-83CB-4293-86CE-36B8DD58D102}" srcOrd="0" destOrd="0" presId="urn:microsoft.com/office/officeart/2008/layout/HorizontalMultiLevelHierarchy"/>
-    <dgm:cxn modelId="{CA01DE93-9840-4AFF-A664-089E3507819A}" type="presOf" srcId="{B19EA2B5-07E7-4A22-8F9F-1C24B12F9864}" destId="{75302493-35DF-4859-B7D9-50CD32FD65E0}" srcOrd="1" destOrd="0" presId="urn:microsoft.com/office/officeart/2008/layout/HorizontalMultiLevelHierarchy"/>
-    <dgm:cxn modelId="{C857C0E2-6B5F-42CE-9606-C142B2492C95}" srcId="{42489EA4-931C-44AE-9191-E6E15E1C1097}" destId="{3619427A-CC40-4DAF-9C9E-1BF3A1C8D300}" srcOrd="0" destOrd="0" parTransId="{B19EA2B5-07E7-4A22-8F9F-1C24B12F9864}" sibTransId="{97C1870C-75B3-40AA-9C5D-B5CB27F13F97}"/>
-    <dgm:cxn modelId="{20CCC187-31CE-4731-90DF-0CC3A85946A0}" type="presOf" srcId="{1EFE2ECC-0017-40A5-AAA9-8983A9B2FFCF}" destId="{152F23B2-FA6C-466A-BBA1-0A9B8735D9B1}" srcOrd="1" destOrd="0" presId="urn:microsoft.com/office/officeart/2008/layout/HorizontalMultiLevelHierarchy"/>
-    <dgm:cxn modelId="{6CA1D294-AB71-4845-8618-ABBAC25F3530}" srcId="{3619427A-CC40-4DAF-9C9E-1BF3A1C8D300}" destId="{99F8D923-A856-4F57-A085-479CA89EFCA1}" srcOrd="0" destOrd="0" parTransId="{8FCA4F6B-635B-4E88-8D99-F67E2AB48419}" sibTransId="{6076A074-4180-45F5-9F1B-139A41C7FECA}"/>
-    <dgm:cxn modelId="{9CCCDFFC-134E-49C6-8BCD-566080365247}" type="presOf" srcId="{B19EA2B5-07E7-4A22-8F9F-1C24B12F9864}" destId="{E878B470-44C4-455D-99B9-F480FF336ED5}" srcOrd="0" destOrd="0" presId="urn:microsoft.com/office/officeart/2008/layout/HorizontalMultiLevelHierarchy"/>
-    <dgm:cxn modelId="{D78585AF-8973-4762-B8C0-8C1E76A6186F}" type="presOf" srcId="{F154E853-9459-4BCD-BA42-A92BFFA828A6}" destId="{6F59013E-ADE8-46B2-9501-7B0F5440323A}" srcOrd="1" destOrd="0" presId="urn:microsoft.com/office/officeart/2008/layout/HorizontalMultiLevelHierarchy"/>
+    <dgm:cxn modelId="{E25DD341-F9D6-4094-9DEB-55A79B5CBB85}" srcId="{3D14FC88-6CB5-4AF0-8FBD-D5B533CAC012}" destId="{F0ABE1F1-9B71-4709-AD2B-5F583ACA9C38}" srcOrd="2" destOrd="0" parTransId="{F154E853-9459-4BCD-BA42-A92BFFA828A6}" sibTransId="{9BFD514C-B64B-4BEB-809F-4ABBFE46E81A}"/>
+    <dgm:cxn modelId="{94F6D11F-3C20-49CB-80C6-1572253F8317}" type="presOf" srcId="{F07D1CB1-C13D-417E-A9E9-2E46DEB5FCE5}" destId="{B39BF770-081D-404F-AB09-405E7F2608A6}" srcOrd="1" destOrd="0" presId="urn:microsoft.com/office/officeart/2008/layout/HorizontalMultiLevelHierarchy"/>
+    <dgm:cxn modelId="{2DFADEC5-AA7A-495E-84FA-FBC45C657492}" srcId="{F0ABE1F1-9B71-4709-AD2B-5F583ACA9C38}" destId="{33CD05AE-93E5-4DBF-B20A-DF2D88D95208}" srcOrd="0" destOrd="0" parTransId="{C9C81323-F412-43A7-AAC5-75B6AF5614D2}" sibTransId="{B29A915C-C822-4A11-ABD9-E72131EBAAB6}"/>
+    <dgm:cxn modelId="{28B0B56E-830A-4F46-A1CE-3A7460A24D8E}" srcId="{42489EA4-931C-44AE-9191-E6E15E1C1097}" destId="{3D14FC88-6CB5-4AF0-8FBD-D5B533CAC012}" srcOrd="1" destOrd="0" parTransId="{1EFE2ECC-0017-40A5-AAA9-8983A9B2FFCF}" sibTransId="{A958C812-806E-4437-B082-E4E296EACA44}"/>
     <dgm:cxn modelId="{A28566D7-B8A3-471E-85B8-4D172CAAA61C}" type="presOf" srcId="{6A0F6BD2-9B4B-4AB3-BB2A-2B48AB4534DE}" destId="{964A277B-09A6-4BBC-8BD2-FC841FDCF565}" srcOrd="1" destOrd="0" presId="urn:microsoft.com/office/officeart/2008/layout/HorizontalMultiLevelHierarchy"/>
-    <dgm:cxn modelId="{B4C5B982-E00D-44A0-BDE5-12CCCDC4D414}" type="presOf" srcId="{356686CA-539C-428E-9AEC-A6AC0E861B30}" destId="{F932BE11-2BEA-48DF-B311-8FB85FCA6B26}" srcOrd="1" destOrd="0" presId="urn:microsoft.com/office/officeart/2008/layout/HorizontalMultiLevelHierarchy"/>
-    <dgm:cxn modelId="{1FF9DD37-26B4-4139-B2D8-5EBB98F8C4CB}" type="presOf" srcId="{5CF8AA70-3502-4A09-BBC2-710C34C91FD9}" destId="{F8EB72A9-D00D-410C-BC3D-75DCB604C18B}" srcOrd="0" destOrd="0" presId="urn:microsoft.com/office/officeart/2008/layout/HorizontalMultiLevelHierarchy"/>
-    <dgm:cxn modelId="{810BC9AD-65D3-4410-87F4-F4E9A632DEFF}" srcId="{99F8D923-A856-4F57-A085-479CA89EFCA1}" destId="{EA9793EE-CEA8-48D3-A0F5-B749068211CE}" srcOrd="0" destOrd="0" parTransId="{F07D1CB1-C13D-417E-A9E9-2E46DEB5FCE5}" sibTransId="{B5878C6C-5C37-439E-8631-24DBF0AD5401}"/>
-    <dgm:cxn modelId="{637221CA-0B68-4FA2-A821-D735FF0FFECD}" srcId="{3D14FC88-6CB5-4AF0-8FBD-D5B533CAC012}" destId="{C64BDD73-A9D4-4DD9-B038-E2737E375D70}" srcOrd="0" destOrd="0" parTransId="{6F7F9B0F-9E1A-4CC3-AFDD-B4339D62816E}" sibTransId="{F914791A-9B18-4E39-A893-9694BA754A75}"/>
-    <dgm:cxn modelId="{5BEA767B-F324-4559-BE15-DFE42A1739FA}" srcId="{3619427A-CC40-4DAF-9C9E-1BF3A1C8D300}" destId="{EE836F6D-CB46-4BB8-A57C-9D366EBBF3F7}" srcOrd="1" destOrd="0" parTransId="{086F7281-3E41-4D5B-8950-BAAF797864FA}" sibTransId="{98BB6B3B-539C-4AA6-8DD4-16BD199C2C21}"/>
-    <dgm:cxn modelId="{AAFD1775-B353-4F08-B4DD-8C8521191862}" type="presOf" srcId="{C9C81323-F412-43A7-AAC5-75B6AF5614D2}" destId="{4191249C-870B-4596-8AC8-C24F6155E4E7}" srcOrd="1" destOrd="0" presId="urn:microsoft.com/office/officeart/2008/layout/HorizontalMultiLevelHierarchy"/>
-    <dgm:cxn modelId="{28B0B56E-830A-4F46-A1CE-3A7460A24D8E}" srcId="{42489EA4-931C-44AE-9191-E6E15E1C1097}" destId="{3D14FC88-6CB5-4AF0-8FBD-D5B533CAC012}" srcOrd="1" destOrd="0" parTransId="{1EFE2ECC-0017-40A5-AAA9-8983A9B2FFCF}" sibTransId="{A958C812-806E-4437-B082-E4E296EACA44}"/>
-    <dgm:cxn modelId="{1C22E9AD-BF88-4882-B8B6-4C16098AA04D}" srcId="{3D14FC88-6CB5-4AF0-8FBD-D5B533CAC012}" destId="{5CF8AA70-3502-4A09-BBC2-710C34C91FD9}" srcOrd="1" destOrd="0" parTransId="{DD763935-6C13-4EF7-B3F9-97F6C67143F9}" sibTransId="{A086EAE0-A27A-4831-91D9-4D224625C3AA}"/>
-    <dgm:cxn modelId="{6F2D6D7A-2FAC-4300-826C-D9597DCC87B0}" type="presOf" srcId="{1EFE2ECC-0017-40A5-AAA9-8983A9B2FFCF}" destId="{7B2940C2-D5C5-4EBB-BEC9-7CFA64BC3A5C}" srcOrd="0" destOrd="0" presId="urn:microsoft.com/office/officeart/2008/layout/HorizontalMultiLevelHierarchy"/>
-    <dgm:cxn modelId="{2DFADEC5-AA7A-495E-84FA-FBC45C657492}" srcId="{F0ABE1F1-9B71-4709-AD2B-5F583ACA9C38}" destId="{33CD05AE-93E5-4DBF-B20A-DF2D88D95208}" srcOrd="0" destOrd="0" parTransId="{C9C81323-F412-43A7-AAC5-75B6AF5614D2}" sibTransId="{B29A915C-C822-4A11-ABD9-E72131EBAAB6}"/>
-    <dgm:cxn modelId="{D599F9B2-45BE-44CA-8E5A-910F804CCF70}" type="presOf" srcId="{DD763935-6C13-4EF7-B3F9-97F6C67143F9}" destId="{B87BAE57-DA98-48EA-966F-D838AA337BF5}" srcOrd="0" destOrd="0" presId="urn:microsoft.com/office/officeart/2008/layout/HorizontalMultiLevelHierarchy"/>
-    <dgm:cxn modelId="{CD8B624B-1E9E-45C7-9529-6AA61F3CBD2B}" type="presOf" srcId="{33CD05AE-93E5-4DBF-B20A-DF2D88D95208}" destId="{C61D7F64-BF95-4B25-93C0-F61B3F72ACB2}" srcOrd="0" destOrd="0" presId="urn:microsoft.com/office/officeart/2008/layout/HorizontalMultiLevelHierarchy"/>
-    <dgm:cxn modelId="{94F6D11F-3C20-49CB-80C6-1572253F8317}" type="presOf" srcId="{F07D1CB1-C13D-417E-A9E9-2E46DEB5FCE5}" destId="{B39BF770-081D-404F-AB09-405E7F2608A6}" srcOrd="1" destOrd="0" presId="urn:microsoft.com/office/officeart/2008/layout/HorizontalMultiLevelHierarchy"/>
-    <dgm:cxn modelId="{ADB5A03C-89CB-4E70-B8B9-83F488E7DCB8}" type="presOf" srcId="{7D09D41D-88F1-4E0C-AFB3-52334C825E00}" destId="{B3022B3E-46F6-445C-9AB5-79BA3EEA0DC3}" srcOrd="0" destOrd="0" presId="urn:microsoft.com/office/officeart/2008/layout/HorizontalMultiLevelHierarchy"/>
-    <dgm:cxn modelId="{88572303-E628-4B5F-9075-CD4AC2AF61BD}" type="presOf" srcId="{3619427A-CC40-4DAF-9C9E-1BF3A1C8D300}" destId="{FD6F57A1-EF2D-4433-B159-101AE5F2266F}" srcOrd="0" destOrd="0" presId="urn:microsoft.com/office/officeart/2008/layout/HorizontalMultiLevelHierarchy"/>
-    <dgm:cxn modelId="{D8B66303-EE75-4683-A534-FA813E2A74A9}" type="presOf" srcId="{6F7F9B0F-9E1A-4CC3-AFDD-B4339D62816E}" destId="{1B652C12-3BA6-4C6F-BDC8-CFC8166C4A45}" srcOrd="1" destOrd="0" presId="urn:microsoft.com/office/officeart/2008/layout/HorizontalMultiLevelHierarchy"/>
-    <dgm:cxn modelId="{0374EBEC-46D6-4462-A795-09D3A75C1E42}" type="presOf" srcId="{6F7F9B0F-9E1A-4CC3-AFDD-B4339D62816E}" destId="{AC0502F8-DAB2-4F1A-80F6-823B84EF6947}" srcOrd="0" destOrd="0" presId="urn:microsoft.com/office/officeart/2008/layout/HorizontalMultiLevelHierarchy"/>
-    <dgm:cxn modelId="{0C8C08EE-D871-4420-8084-6E7CEE016BC2}" srcId="{3D14FC88-6CB5-4AF0-8FBD-D5B533CAC012}" destId="{AFBD073B-D2A4-45D5-AF03-49D19FBD23C6}" srcOrd="3" destOrd="0" parTransId="{356686CA-539C-428E-9AEC-A6AC0E861B30}" sibTransId="{0063DEE7-CC11-4ADF-8149-E392C414EC83}"/>
-    <dgm:cxn modelId="{E25DD341-F9D6-4094-9DEB-55A79B5CBB85}" srcId="{3D14FC88-6CB5-4AF0-8FBD-D5B533CAC012}" destId="{F0ABE1F1-9B71-4709-AD2B-5F583ACA9C38}" srcOrd="2" destOrd="0" parTransId="{F154E853-9459-4BCD-BA42-A92BFFA828A6}" sibTransId="{9BFD514C-B64B-4BEB-809F-4ABBFE46E81A}"/>
-    <dgm:cxn modelId="{946703D6-AC09-4E53-9E80-F80ED26734DE}" type="presOf" srcId="{99F8D923-A856-4F57-A085-479CA89EFCA1}" destId="{782B84CE-6D06-4597-82F0-AF52D86B5D99}" srcOrd="0" destOrd="0" presId="urn:microsoft.com/office/officeart/2008/layout/HorizontalMultiLevelHierarchy"/>
-    <dgm:cxn modelId="{E49C4D02-53DD-4EAF-81F6-0EF349A89356}" type="presOf" srcId="{8FCA4F6B-635B-4E88-8D99-F67E2AB48419}" destId="{D6BEAB9E-D33D-4837-BA6D-DD8D675AF587}" srcOrd="1" destOrd="0" presId="urn:microsoft.com/office/officeart/2008/layout/HorizontalMultiLevelHierarchy"/>
-    <dgm:cxn modelId="{83895140-E432-4575-9F6C-7D40E2C62F1C}" srcId="{3D14FC88-6CB5-4AF0-8FBD-D5B533CAC012}" destId="{C267D630-5768-40EE-8214-BCB327E3387A}" srcOrd="4" destOrd="0" parTransId="{54653930-314D-4CF3-B05E-82E766716A88}" sibTransId="{92216F78-B526-4C55-A57B-99330EF00330}"/>
-    <dgm:cxn modelId="{66485616-8EC3-4D6B-973F-4FED3411E6CE}" type="presOf" srcId="{46D5DC87-27FC-4A34-A8EA-D5AEB60D5C83}" destId="{4CD9EA02-822F-4A4D-9DA1-2155A3EC7D1F}" srcOrd="1" destOrd="0" presId="urn:microsoft.com/office/officeart/2008/layout/HorizontalMultiLevelHierarchy"/>
-    <dgm:cxn modelId="{229A2B52-1764-4DA6-953A-6814A492AA4B}" type="presOf" srcId="{C267D630-5768-40EE-8214-BCB327E3387A}" destId="{CF1D31AE-C4A5-45C4-BE92-9410B256453C}" srcOrd="0" destOrd="0" presId="urn:microsoft.com/office/officeart/2008/layout/HorizontalMultiLevelHierarchy"/>
-    <dgm:cxn modelId="{C84AED82-A6EE-456B-8CC1-E7BAC528D7DB}" type="presOf" srcId="{356686CA-539C-428E-9AEC-A6AC0E861B30}" destId="{F6DE731F-67D3-49A0-8124-4F7D4E37A702}" srcOrd="0" destOrd="0" presId="urn:microsoft.com/office/officeart/2008/layout/HorizontalMultiLevelHierarchy"/>
-    <dgm:cxn modelId="{BBA09175-AB9F-49B0-9F54-2D2930CA607C}" type="presOf" srcId="{6A0F6BD2-9B4B-4AB3-BB2A-2B48AB4534DE}" destId="{D4A60B13-9DAF-49BD-A710-6579461D213B}" srcOrd="0" destOrd="0" presId="urn:microsoft.com/office/officeart/2008/layout/HorizontalMultiLevelHierarchy"/>
-    <dgm:cxn modelId="{CC9A6A34-560E-4AB4-A23D-20885E1C281C}" type="presOf" srcId="{54653930-314D-4CF3-B05E-82E766716A88}" destId="{4BF02253-C164-49A3-AF7E-4619864DADE5}" srcOrd="0" destOrd="0" presId="urn:microsoft.com/office/officeart/2008/layout/HorizontalMultiLevelHierarchy"/>
-    <dgm:cxn modelId="{49C133BF-93BB-4540-949E-F0AA0C96408C}" type="presOf" srcId="{EA9793EE-CEA8-48D3-A0F5-B749068211CE}" destId="{D42E76A7-029C-47DE-8827-FE1B903AB643}" srcOrd="0" destOrd="0" presId="urn:microsoft.com/office/officeart/2008/layout/HorizontalMultiLevelHierarchy"/>
-    <dgm:cxn modelId="{3F9A6EFD-D5D7-40F7-A7E6-4083EFC38080}" srcId="{3D14FC88-6CB5-4AF0-8FBD-D5B533CAC012}" destId="{7D09D41D-88F1-4E0C-AFB3-52334C825E00}" srcOrd="5" destOrd="0" parTransId="{76116F44-CCCE-4B0E-B74A-B5547397C143}" sibTransId="{028A3967-9F68-4B49-A10C-1B660B404781}"/>
-    <dgm:cxn modelId="{1009B13B-BFC9-4436-9DA7-32D7AF196CD1}" type="presOf" srcId="{086F7281-3E41-4D5B-8950-BAAF797864FA}" destId="{DC1357B6-47C4-46B0-9891-F24F46AA2B6B}" srcOrd="0" destOrd="0" presId="urn:microsoft.com/office/officeart/2008/layout/HorizontalMultiLevelHierarchy"/>
-    <dgm:cxn modelId="{EA1D7BE4-BC54-4D42-9BAF-09FD0A6456BD}" type="presOf" srcId="{3A2D4EDB-8CC6-49F3-B3AC-F7362E4FE931}" destId="{49478094-1371-4FA8-91DA-F3AA199F56CA}" srcOrd="0" destOrd="0" presId="urn:microsoft.com/office/officeart/2008/layout/HorizontalMultiLevelHierarchy"/>
-    <dgm:cxn modelId="{F8E0D457-2C4C-4EC1-BE95-FB87617CE55F}" type="presOf" srcId="{76116F44-CCCE-4B0E-B74A-B5547397C143}" destId="{ED482FBA-77F7-4F39-9E37-3E2266DB0D8A}" srcOrd="0" destOrd="0" presId="urn:microsoft.com/office/officeart/2008/layout/HorizontalMultiLevelHierarchy"/>
-    <dgm:cxn modelId="{2F4472CE-253A-49C0-92B2-0ABB10644ECD}" type="presOf" srcId="{2C0AB92A-87E2-4D88-B0FA-111589C7DCFB}" destId="{0A2496E6-F599-4DFE-AAD3-D23F302CF771}" srcOrd="0" destOrd="0" presId="urn:microsoft.com/office/officeart/2008/layout/HorizontalMultiLevelHierarchy"/>
-    <dgm:cxn modelId="{A36C7A91-1BF7-46D5-8D4A-1ABEE4A9F131}" type="presOf" srcId="{76116F44-CCCE-4B0E-B74A-B5547397C143}" destId="{2B56730D-0F80-45A0-AED1-5D4BDAF8A19A}" srcOrd="1" destOrd="0" presId="urn:microsoft.com/office/officeart/2008/layout/HorizontalMultiLevelHierarchy"/>
-    <dgm:cxn modelId="{E6557688-18D3-4A8C-80F4-FDFA96E69620}" type="presOf" srcId="{42489EA4-931C-44AE-9191-E6E15E1C1097}" destId="{D78F2F97-B6E9-4A9D-A5E9-D4BB95BF68A2}" srcOrd="0" destOrd="0" presId="urn:microsoft.com/office/officeart/2008/layout/HorizontalMultiLevelHierarchy"/>
-    <dgm:cxn modelId="{79B2B8CF-9FB4-49E0-AEDA-2BE522AE3AFD}" type="presOf" srcId="{46000050-9BF2-42D6-842E-ED6B18CF6C1C}" destId="{D9475492-13B8-459D-A954-CC092ABEA7A9}" srcOrd="0" destOrd="0" presId="urn:microsoft.com/office/officeart/2008/layout/HorizontalMultiLevelHierarchy"/>
-    <dgm:cxn modelId="{2050AD0E-A136-4555-8772-B6D1A7C1AD71}" type="presOf" srcId="{C9C81323-F412-43A7-AAC5-75B6AF5614D2}" destId="{509F61BE-5A19-482B-8015-48690FB0ADA0}" srcOrd="0" destOrd="0" presId="urn:microsoft.com/office/officeart/2008/layout/HorizontalMultiLevelHierarchy"/>
-    <dgm:cxn modelId="{FA7AE832-A786-423D-8532-E978080ABB92}" type="presOf" srcId="{F07D1CB1-C13D-417E-A9E9-2E46DEB5FCE5}" destId="{EB2F2A59-AFB4-4FBE-B444-8FADE30C0318}" srcOrd="0" destOrd="0" presId="urn:microsoft.com/office/officeart/2008/layout/HorizontalMultiLevelHierarchy"/>
-    <dgm:cxn modelId="{207A88BF-5C20-40EB-8DE0-9E6A9A8EA9CA}" srcId="{3619427A-CC40-4DAF-9C9E-1BF3A1C8D300}" destId="{3A2D4EDB-8CC6-49F3-B3AC-F7362E4FE931}" srcOrd="2" destOrd="0" parTransId="{3FE791B2-6BC7-42D7-8F72-12A54ED062C6}" sibTransId="{7B8EB953-8AA8-4854-8E0A-454AAB1A42E6}"/>
-    <dgm:cxn modelId="{70A475FD-3DC6-440A-A4CF-E50547002BAF}" type="presOf" srcId="{DD763935-6C13-4EF7-B3F9-97F6C67143F9}" destId="{984705FC-DC5A-49A5-B9F5-4CDB087A32E1}" srcOrd="1" destOrd="0" presId="urn:microsoft.com/office/officeart/2008/layout/HorizontalMultiLevelHierarchy"/>
-    <dgm:cxn modelId="{3BECB58E-974D-4326-A6EA-4D633263E290}" type="presOf" srcId="{EE836F6D-CB46-4BB8-A57C-9D366EBBF3F7}" destId="{E5E473C9-CBE4-4DD8-9CB9-DF19228E18B4}" srcOrd="0" destOrd="0" presId="urn:microsoft.com/office/officeart/2008/layout/HorizontalMultiLevelHierarchy"/>
-    <dgm:cxn modelId="{63FC49B6-531A-428F-9EAC-8207E9CD42A5}" type="presOf" srcId="{FFAFCDB9-7994-45DE-AF74-39D56EF00185}" destId="{C97191D1-86FA-4373-8265-D463DF53E9C1}" srcOrd="0" destOrd="0" presId="urn:microsoft.com/office/officeart/2008/layout/HorizontalMultiLevelHierarchy"/>
     <dgm:cxn modelId="{9EB31CBF-0CB7-423F-AA66-D34B483151AE}" type="presParOf" srcId="{0A2496E6-F599-4DFE-AAD3-D23F302CF771}" destId="{41CD81B9-357E-4E88-AE43-B5D393727623}" srcOrd="0" destOrd="0" presId="urn:microsoft.com/office/officeart/2008/layout/HorizontalMultiLevelHierarchy"/>
     <dgm:cxn modelId="{A6CF479F-927D-41A0-8387-378FB42D264A}" type="presParOf" srcId="{41CD81B9-357E-4E88-AE43-B5D393727623}" destId="{D78F2F97-B6E9-4A9D-A5E9-D4BB95BF68A2}" srcOrd="0" destOrd="0" presId="urn:microsoft.com/office/officeart/2008/layout/HorizontalMultiLevelHierarchy"/>
     <dgm:cxn modelId="{E0D2F1E8-EED2-4E9C-BFAF-5C0162D58E62}" type="presParOf" srcId="{41CD81B9-357E-4E88-AE43-B5D393727623}" destId="{D5BD9EB3-8E63-4571-B71E-F1B6598AA973}" srcOrd="1" destOrd="0" presId="urn:microsoft.com/office/officeart/2008/layout/HorizontalMultiLevelHierarchy"/>
@@ -18976,10 +18976,6 @@
               <a:rPr lang="en-US" sz="4800" dirty="0" smtClean="0"/>
               <a:t> </a:t>
             </a:r>
-            <a:r>
-              <a:rPr lang="en-US" sz="4800" dirty="0" smtClean="0"/>
-              <a:t/>
-            </a:r>
             <a:br>
               <a:rPr lang="en-US" sz="4800" dirty="0" smtClean="0"/>
             </a:br>
@@ -19154,13 +19150,8 @@
             </a:pPr>
             <a:r>
               <a:rPr lang="en-US" dirty="0" smtClean="0"/>
-              <a:t> Adopted as WG draft after IETF </a:t>
+              <a:t> Adopted as WG draft after IETF 101. </a:t>
             </a:r>
-            <a:r>
-              <a:rPr lang="en-US" dirty="0" smtClean="0"/>
-              <a:t>101. </a:t>
-            </a:r>
-            <a:endParaRPr lang="en-US" dirty="0" smtClean="0"/>
           </a:p>
           <a:p>
             <a:pPr>
@@ -19181,8 +19172,13 @@
             </a:r>
             <a:r>
               <a:rPr lang="en-US" dirty="0" smtClean="0"/>
-              <a:t>draft-wu-opsawg-network-overlay-resource-model-00 with this  draft.</a:t>
+              <a:t>draft-wu-opsawg-network-overlay-resource-model-00 with this  </a:t>
             </a:r>
+            <a:r>
+              <a:rPr lang="en-US" dirty="0" smtClean="0"/>
+              <a:t>draft (new co-authors)! </a:t>
+            </a:r>
+            <a:endParaRPr lang="en-US" dirty="0" smtClean="0"/>
           </a:p>
           <a:p>
             <a:pPr>
@@ -19243,7 +19239,6 @@
               <a:rPr lang="en-US" dirty="0" smtClean="0"/>
               <a:t>. </a:t>
             </a:r>
-            <a:endParaRPr lang="en-US" dirty="0" smtClean="0"/>
           </a:p>
           <a:p>
             <a:pPr lvl="1">
@@ -19260,15 +19255,15 @@
             </a:r>
             <a:r>
               <a:rPr lang="en-US" dirty="0" smtClean="0"/>
-              <a:t>performed </a:t>
+              <a:t>performed with </a:t>
             </a:r>
             <a:r>
               <a:rPr lang="en-US" dirty="0" smtClean="0"/>
-              <a:t>with Connectivity </a:t>
+              <a:t>“Connectivity Matrices” </a:t>
             </a:r>
             <a:r>
               <a:rPr lang="en-US" dirty="0"/>
-              <a:t>Matrices sub-module of TE-Topology Model </a:t>
+              <a:t>sub-module of TE-Topology Model </a:t>
             </a:r>
             <a:r>
               <a:rPr lang="en-US" dirty="0" smtClean="0"/>
@@ -19311,11 +19306,7 @@
             </a:r>
             <a:r>
               <a:rPr lang="en-US" dirty="0" smtClean="0"/>
-              <a:t>Model </a:t>
-            </a:r>
-            <a:r>
-              <a:rPr lang="en-US" dirty="0" smtClean="0"/>
-              <a:t>will inevitably </a:t>
+              <a:t>Model will inevitably </a:t>
             </a:r>
             <a:r>
               <a:rPr lang="en-US" dirty="0"/>
